--- a/Saas DB design overv 1b.pptx
+++ b/Saas DB design overv 1b.pptx
@@ -1048,7 +1048,7 @@
                 <a:latin typeface="Times"/>
               </a:rPr>
               <a:pPr/>
-              <a:t>2/27/2025</a:t>
+              <a:t>3/4/2025</a:t>
             </a:fld>
             <a:endParaRPr lang="en-US" altLang="en-US" dirty="0">
               <a:latin typeface="Times"/>
@@ -1253,7 +1253,7 @@
                 <a:latin typeface="Times"/>
               </a:rPr>
               <a:pPr/>
-              <a:t>2/27/2025</a:t>
+              <a:t>3/4/2025</a:t>
             </a:fld>
             <a:endParaRPr lang="en-US" altLang="en-US" dirty="0">
               <a:latin typeface="Times"/>
@@ -1445,7 +1445,7 @@
                 <a:latin typeface="Times"/>
               </a:rPr>
               <a:pPr/>
-              <a:t>2/27/2025</a:t>
+              <a:t>3/4/2025</a:t>
             </a:fld>
             <a:endParaRPr lang="en-US" altLang="en-US" dirty="0">
               <a:latin typeface="Times"/>
@@ -1650,7 +1650,7 @@
                 <a:latin typeface="Times"/>
               </a:rPr>
               <a:pPr/>
-              <a:t>2/27/2025</a:t>
+              <a:t>3/4/2025</a:t>
             </a:fld>
             <a:endParaRPr lang="en-US" altLang="en-US" dirty="0">
               <a:latin typeface="Times"/>
@@ -1842,7 +1842,7 @@
                 <a:latin typeface="Times"/>
               </a:rPr>
               <a:pPr/>
-              <a:t>2/27/2025</a:t>
+              <a:t>3/4/2025</a:t>
             </a:fld>
             <a:endParaRPr lang="en-US" altLang="en-US" dirty="0">
               <a:latin typeface="Times"/>
@@ -2017,7 +2017,7 @@
                 <a:latin typeface="Times"/>
               </a:rPr>
               <a:pPr/>
-              <a:t>2/27/2025</a:t>
+              <a:t>3/4/2025</a:t>
             </a:fld>
             <a:endParaRPr lang="en-US" altLang="en-US" dirty="0">
               <a:latin typeface="Times"/>
@@ -2192,7 +2192,7 @@
                 <a:latin typeface="Times"/>
               </a:rPr>
               <a:pPr/>
-              <a:t>2/27/2025</a:t>
+              <a:t>3/4/2025</a:t>
             </a:fld>
             <a:endParaRPr lang="en-US" altLang="en-US" dirty="0">
               <a:latin typeface="Times"/>
@@ -2397,7 +2397,7 @@
                 <a:latin typeface="Times"/>
               </a:rPr>
               <a:pPr/>
-              <a:t>2/27/2025</a:t>
+              <a:t>3/4/2025</a:t>
             </a:fld>
             <a:endParaRPr lang="en-US" altLang="en-US" dirty="0">
               <a:latin typeface="Times"/>
@@ -5354,8 +5354,8 @@
         </p:nvSpPr>
         <p:spPr bwMode="auto">
           <a:xfrm>
-            <a:off x="238548" y="3856037"/>
-            <a:ext cx="9376106" cy="2312543"/>
+            <a:off x="203828" y="3559602"/>
+            <a:ext cx="9376106" cy="2497209"/>
           </a:xfrm>
           <a:prstGeom prst="rect">
             <a:avLst/>
@@ -5412,7 +5412,7 @@
                 <a:latin typeface="Arial" panose="020B0604020202090204" pitchFamily="34" charset="0"/>
                 <a:cs typeface="Arial" panose="020B0604020202090204" pitchFamily="34" charset="0"/>
               </a:rPr>
-              <a:t>Project created to identify key business insights and recommendations for a hypothetical Saas (Software-as-a-service) technology company that can be presented to either the Sales, Marketing, and/or Product teams.  </a:t>
+              <a:t>Project created to identify key business insights and recommendations for a hypothetical Saas (Software-as-a-service) technology company that can be presented to either the Sales, Marketing, and/or Product teams.   Analysis contains several recommendations to generate over $6 million in additional revenue from either cross-selling or upselling of various products.</a:t>
             </a:r>
           </a:p>
           <a:p>
@@ -6356,8 +6356,8 @@
           </a:ln>
         </p:spPr>
       </p:pic>
-      <mc:AlternateContent xmlns:mc="http://schemas.openxmlformats.org/markup-compatibility/2006">
-        <mc:Choice xmlns:p14="http://schemas.microsoft.com/office/powerpoint/2010/main" Requires="p14">
+      <mc:AlternateContent xmlns:mc="http://schemas.openxmlformats.org/markup-compatibility/2006" xmlns:p14="http://schemas.microsoft.com/office/powerpoint/2010/main">
+        <mc:Choice Requires="p14">
           <p:contentPart p14:bwMode="auto" r:id="rId4">
             <p14:nvContentPartPr>
               <p14:cNvPr id="7" name="Ink 6">
@@ -6376,7 +6376,7 @@
             </p14:xfrm>
           </p:contentPart>
         </mc:Choice>
-        <mc:Fallback>
+        <mc:Fallback xmlns="">
           <p:pic>
             <p:nvPicPr>
               <p:cNvPr id="7" name="Ink 6">
@@ -6407,8 +6407,8 @@
           </p:pic>
         </mc:Fallback>
       </mc:AlternateContent>
-      <mc:AlternateContent xmlns:mc="http://schemas.openxmlformats.org/markup-compatibility/2006">
-        <mc:Choice xmlns:p14="http://schemas.microsoft.com/office/powerpoint/2010/main" Requires="p14">
+      <mc:AlternateContent xmlns:mc="http://schemas.openxmlformats.org/markup-compatibility/2006" xmlns:p14="http://schemas.microsoft.com/office/powerpoint/2010/main">
+        <mc:Choice Requires="p14">
           <p:contentPart p14:bwMode="auto" r:id="rId6">
             <p14:nvContentPartPr>
               <p14:cNvPr id="10" name="Ink 9">
@@ -6427,7 +6427,7 @@
             </p14:xfrm>
           </p:contentPart>
         </mc:Choice>
-        <mc:Fallback>
+        <mc:Fallback xmlns="">
           <p:pic>
             <p:nvPicPr>
               <p:cNvPr id="10" name="Ink 9">
@@ -6458,8 +6458,8 @@
           </p:pic>
         </mc:Fallback>
       </mc:AlternateContent>
-      <mc:AlternateContent xmlns:mc="http://schemas.openxmlformats.org/markup-compatibility/2006">
-        <mc:Choice xmlns:p14="http://schemas.microsoft.com/office/powerpoint/2010/main" Requires="p14">
+      <mc:AlternateContent xmlns:mc="http://schemas.openxmlformats.org/markup-compatibility/2006" xmlns:p14="http://schemas.microsoft.com/office/powerpoint/2010/main">
+        <mc:Choice Requires="p14">
           <p:contentPart p14:bwMode="auto" r:id="rId8">
             <p14:nvContentPartPr>
               <p14:cNvPr id="12" name="Ink 11">
@@ -6478,7 +6478,7 @@
             </p14:xfrm>
           </p:contentPart>
         </mc:Choice>
-        <mc:Fallback>
+        <mc:Fallback xmlns="">
           <p:pic>
             <p:nvPicPr>
               <p:cNvPr id="12" name="Ink 11">
@@ -7910,10 +7910,10 @@
       </p:sp>
       <p:pic>
         <p:nvPicPr>
-          <p:cNvPr id="4" name="Picture 3">
+          <p:cNvPr id="3" name="Picture 2" descr="A diagram of a data flow&#10;&#10;AI-generated content may be incorrect.">
             <a:extLst>
               <a:ext uri="{FF2B5EF4-FFF2-40B4-BE49-F238E27FC236}">
-                <a16:creationId xmlns:a16="http://schemas.microsoft.com/office/drawing/2014/main" id="{9806D611-B345-A808-BC88-0BCC0C7CAAA2}"/>
+                <a16:creationId xmlns:a16="http://schemas.microsoft.com/office/drawing/2014/main" id="{BD12315D-2D00-4796-072C-BBF5A74EA155}"/>
               </a:ext>
             </a:extLst>
           </p:cNvPr>
@@ -7930,8 +7930,8 @@
         </p:blipFill>
         <p:spPr>
           <a:xfrm>
-            <a:off x="853281" y="1036637"/>
-            <a:ext cx="7334250" cy="4467225"/>
+            <a:off x="929481" y="1112837"/>
+            <a:ext cx="6659562" cy="3976016"/>
           </a:xfrm>
           <a:prstGeom prst="rect">
             <a:avLst/>
